--- a/Paper/fig/operating_envelope.pptx
+++ b/Paper/fig/operating_envelope.pptx
@@ -106,7 +106,7 @@
   </p:defaultTextStyle>
   <p:extLst>
     <p:ext uri="{EFAFB233-063F-42B5-8137-9DF3F51BA10A}">
-      <p15:sldGuideLst xmlns:p15="http://schemas.microsoft.com/office/powerpoint/2012/main">
+      <p15:sldGuideLst xmlns:p15="http://schemas.microsoft.com/office/powerpoint/2012/main" xmlns="">
         <p15:guide id="1" orient="horz" pos="2160">
           <p15:clr>
             <a:srgbClr val="A4A3A4"/>
@@ -121,6 +121,1751 @@
     </p:ext>
   </p:extLst>
 </p:presentation>
+</file>
+
+<file path=ppt/charts/chart1.xml><?xml version="1.0" encoding="utf-8"?>
+<c:chartSpace xmlns:c="http://schemas.openxmlformats.org/drawingml/2006/chart" xmlns:a="http://schemas.openxmlformats.org/drawingml/2006/main" xmlns:r="http://schemas.openxmlformats.org/officeDocument/2006/relationships">
+  <c:date1904 val="0"/>
+  <c:lang val="en-US"/>
+  <c:roundedCorners val="0"/>
+  <mc:AlternateContent xmlns:mc="http://schemas.openxmlformats.org/markup-compatibility/2006">
+    <mc:Choice xmlns:c14="http://schemas.microsoft.com/office/drawing/2007/8/2/chart" Requires="c14">
+      <c14:style val="102"/>
+    </mc:Choice>
+    <mc:Fallback>
+      <c:style val="2"/>
+    </mc:Fallback>
+  </mc:AlternateContent>
+  <c:chart>
+    <c:autoTitleDeleted val="0"/>
+    <c:plotArea>
+      <c:layout>
+        <c:manualLayout>
+          <c:layoutTarget val="inner"/>
+          <c:xMode val="edge"/>
+          <c:yMode val="edge"/>
+          <c:x val="0.17915518372703412"/>
+          <c:y val="5.4398148148148147E-2"/>
+          <c:w val="0.7717992672790901"/>
+          <c:h val="0.71692949839603382"/>
+        </c:manualLayout>
+      </c:layout>
+      <c:scatterChart>
+        <c:scatterStyle val="lineMarker"/>
+        <c:varyColors val="0"/>
+        <c:ser>
+          <c:idx val="2"/>
+          <c:order val="0"/>
+          <c:tx>
+            <c:strRef>
+              <c:f>Opearting_range!$D$1</c:f>
+              <c:strCache>
+                <c:ptCount val="1"/>
+                <c:pt idx="0">
+                  <c:v>Operating range</c:v>
+                </c:pt>
+              </c:strCache>
+            </c:strRef>
+          </c:tx>
+          <c:spPr>
+            <a:ln w="63500">
+              <a:solidFill>
+                <a:schemeClr val="accent1"/>
+              </a:solidFill>
+            </a:ln>
+          </c:spPr>
+          <c:marker>
+            <c:symbol val="none"/>
+          </c:marker>
+          <c:xVal>
+            <c:numRef>
+              <c:f>Opearting_range!$E$3:$E$19</c:f>
+              <c:numCache>
+                <c:formatCode>General</c:formatCode>
+                <c:ptCount val="17"/>
+                <c:pt idx="0">
+                  <c:v>-28.888888888888889</c:v>
+                </c:pt>
+                <c:pt idx="1">
+                  <c:v>-28.888888888888889</c:v>
+                </c:pt>
+                <c:pt idx="2">
+                  <c:v>-28.888888888888889</c:v>
+                </c:pt>
+                <c:pt idx="3">
+                  <c:v>-26.111111111111111</c:v>
+                </c:pt>
+                <c:pt idx="4">
+                  <c:v>-23.333333333333332</c:v>
+                </c:pt>
+                <c:pt idx="5">
+                  <c:v>-20.555555555555554</c:v>
+                </c:pt>
+                <c:pt idx="6">
+                  <c:v>-17.777777777777779</c:v>
+                </c:pt>
+                <c:pt idx="7">
+                  <c:v>-12.222222222222221</c:v>
+                </c:pt>
+                <c:pt idx="8">
+                  <c:v>12.777777777777777</c:v>
+                </c:pt>
+                <c:pt idx="9">
+                  <c:v>12.777777777777777</c:v>
+                </c:pt>
+                <c:pt idx="10">
+                  <c:v>12.777777777777777</c:v>
+                </c:pt>
+                <c:pt idx="11">
+                  <c:v>12.777777777777777</c:v>
+                </c:pt>
+                <c:pt idx="12">
+                  <c:v>12.777777777777777</c:v>
+                </c:pt>
+                <c:pt idx="13">
+                  <c:v>12.777777777777777</c:v>
+                </c:pt>
+                <c:pt idx="14">
+                  <c:v>12.777777777777777</c:v>
+                </c:pt>
+                <c:pt idx="15">
+                  <c:v>12.777777777777777</c:v>
+                </c:pt>
+                <c:pt idx="16">
+                  <c:v>-28.888888888888889</c:v>
+                </c:pt>
+              </c:numCache>
+            </c:numRef>
+          </c:xVal>
+          <c:yVal>
+            <c:numRef>
+              <c:f>Opearting_range!$D$3:$D$19</c:f>
+              <c:numCache>
+                <c:formatCode>General</c:formatCode>
+                <c:ptCount val="17"/>
+                <c:pt idx="0">
+                  <c:v>26.666666666666664</c:v>
+                </c:pt>
+                <c:pt idx="1">
+                  <c:v>32.222222222222221</c:v>
+                </c:pt>
+                <c:pt idx="2">
+                  <c:v>37.777777777777779</c:v>
+                </c:pt>
+                <c:pt idx="3">
+                  <c:v>43.333333333333336</c:v>
+                </c:pt>
+                <c:pt idx="4">
+                  <c:v>48.888888888888886</c:v>
+                </c:pt>
+                <c:pt idx="5">
+                  <c:v>54.444444444444443</c:v>
+                </c:pt>
+                <c:pt idx="6">
+                  <c:v>60</c:v>
+                </c:pt>
+                <c:pt idx="7">
+                  <c:v>65.555555555555557</c:v>
+                </c:pt>
+                <c:pt idx="8">
+                  <c:v>65.555555555555557</c:v>
+                </c:pt>
+                <c:pt idx="9">
+                  <c:v>60</c:v>
+                </c:pt>
+                <c:pt idx="10">
+                  <c:v>54.444444444444443</c:v>
+                </c:pt>
+                <c:pt idx="11">
+                  <c:v>48.888888888888886</c:v>
+                </c:pt>
+                <c:pt idx="12">
+                  <c:v>43.333333333333336</c:v>
+                </c:pt>
+                <c:pt idx="13">
+                  <c:v>37.777777777777779</c:v>
+                </c:pt>
+                <c:pt idx="14">
+                  <c:v>32.222222222222221</c:v>
+                </c:pt>
+                <c:pt idx="15">
+                  <c:v>26.666666666666664</c:v>
+                </c:pt>
+                <c:pt idx="16">
+                  <c:v>26.666666666666664</c:v>
+                </c:pt>
+              </c:numCache>
+            </c:numRef>
+          </c:yVal>
+          <c:smooth val="0"/>
+        </c:ser>
+        <c:ser>
+          <c:idx val="3"/>
+          <c:order val="1"/>
+          <c:tx>
+            <c:strRef>
+              <c:f>Opearting_range!$O$99</c:f>
+              <c:strCache>
+                <c:ptCount val="1"/>
+                <c:pt idx="0">
+                  <c:v>Available in map</c:v>
+                </c:pt>
+              </c:strCache>
+            </c:strRef>
+          </c:tx>
+          <c:spPr>
+            <a:ln>
+              <a:noFill/>
+            </a:ln>
+          </c:spPr>
+          <c:marker>
+            <c:symbol val="x"/>
+            <c:size val="20"/>
+          </c:marker>
+          <c:xVal>
+            <c:numRef>
+              <c:f>Opearting_range!$P$101:$P$212</c:f>
+              <c:numCache>
+                <c:formatCode>General</c:formatCode>
+                <c:ptCount val="112"/>
+                <c:pt idx="0">
+                  <c:v>-28.888888888888889</c:v>
+                </c:pt>
+                <c:pt idx="1">
+                  <c:v>-26.111111111111111</c:v>
+                </c:pt>
+                <c:pt idx="2">
+                  <c:v>-23.333333333333332</c:v>
+                </c:pt>
+                <c:pt idx="3">
+                  <c:v>-20.555555555555554</c:v>
+                </c:pt>
+                <c:pt idx="4">
+                  <c:v>-17.777777777777779</c:v>
+                </c:pt>
+                <c:pt idx="5">
+                  <c:v>-15</c:v>
+                </c:pt>
+                <c:pt idx="6">
+                  <c:v>-12.222222222222221</c:v>
+                </c:pt>
+                <c:pt idx="7">
+                  <c:v>-9.4444444444444446</c:v>
+                </c:pt>
+                <c:pt idx="8">
+                  <c:v>-6.6666666666666661</c:v>
+                </c:pt>
+                <c:pt idx="9">
+                  <c:v>-3.8888888888888888</c:v>
+                </c:pt>
+                <c:pt idx="10">
+                  <c:v>-1.1111111111111112</c:v>
+                </c:pt>
+                <c:pt idx="11">
+                  <c:v>1.6666666666666665</c:v>
+                </c:pt>
+                <c:pt idx="12">
+                  <c:v>4.4444444444444446</c:v>
+                </c:pt>
+                <c:pt idx="13">
+                  <c:v>7.2222222222222223</c:v>
+                </c:pt>
+                <c:pt idx="14">
+                  <c:v>10</c:v>
+                </c:pt>
+                <c:pt idx="15">
+                  <c:v>12.777777777777777</c:v>
+                </c:pt>
+                <c:pt idx="16">
+                  <c:v>-28.888888888888889</c:v>
+                </c:pt>
+                <c:pt idx="17">
+                  <c:v>-26.111111111111111</c:v>
+                </c:pt>
+                <c:pt idx="18">
+                  <c:v>-23.333333333333332</c:v>
+                </c:pt>
+                <c:pt idx="19">
+                  <c:v>-20.555555555555554</c:v>
+                </c:pt>
+                <c:pt idx="20">
+                  <c:v>-17.777777777777779</c:v>
+                </c:pt>
+                <c:pt idx="21">
+                  <c:v>-15</c:v>
+                </c:pt>
+                <c:pt idx="22">
+                  <c:v>-12.222222222222221</c:v>
+                </c:pt>
+                <c:pt idx="23">
+                  <c:v>-9.4444444444444446</c:v>
+                </c:pt>
+                <c:pt idx="24">
+                  <c:v>-6.6666666666666661</c:v>
+                </c:pt>
+                <c:pt idx="25">
+                  <c:v>-3.8888888888888888</c:v>
+                </c:pt>
+                <c:pt idx="26">
+                  <c:v>-1.1111111111111112</c:v>
+                </c:pt>
+                <c:pt idx="27">
+                  <c:v>1.6666666666666665</c:v>
+                </c:pt>
+                <c:pt idx="28">
+                  <c:v>4.4444444444444446</c:v>
+                </c:pt>
+                <c:pt idx="29">
+                  <c:v>7.2222222222222223</c:v>
+                </c:pt>
+                <c:pt idx="30">
+                  <c:v>10</c:v>
+                </c:pt>
+                <c:pt idx="31">
+                  <c:v>12.777777777777777</c:v>
+                </c:pt>
+                <c:pt idx="32">
+                  <c:v>-28.888888888888889</c:v>
+                </c:pt>
+                <c:pt idx="33">
+                  <c:v>-26.111111111111111</c:v>
+                </c:pt>
+                <c:pt idx="34">
+                  <c:v>-23.333333333333332</c:v>
+                </c:pt>
+                <c:pt idx="35">
+                  <c:v>-20.555555555555554</c:v>
+                </c:pt>
+                <c:pt idx="36">
+                  <c:v>-17.777777777777779</c:v>
+                </c:pt>
+                <c:pt idx="37">
+                  <c:v>-15</c:v>
+                </c:pt>
+                <c:pt idx="38">
+                  <c:v>-12.222222222222221</c:v>
+                </c:pt>
+                <c:pt idx="39">
+                  <c:v>-9.4444444444444446</c:v>
+                </c:pt>
+                <c:pt idx="40">
+                  <c:v>-6.6666666666666661</c:v>
+                </c:pt>
+                <c:pt idx="41">
+                  <c:v>-3.8888888888888888</c:v>
+                </c:pt>
+                <c:pt idx="42">
+                  <c:v>-1.1111111111111112</c:v>
+                </c:pt>
+                <c:pt idx="43">
+                  <c:v>1.6666666666666665</c:v>
+                </c:pt>
+                <c:pt idx="44">
+                  <c:v>4.4444444444444446</c:v>
+                </c:pt>
+                <c:pt idx="45">
+                  <c:v>7.2222222222222223</c:v>
+                </c:pt>
+                <c:pt idx="46">
+                  <c:v>10</c:v>
+                </c:pt>
+                <c:pt idx="47">
+                  <c:v>12.777777777777777</c:v>
+                </c:pt>
+                <c:pt idx="48">
+                  <c:v>-26.111111111111111</c:v>
+                </c:pt>
+                <c:pt idx="49">
+                  <c:v>-23.333333333333332</c:v>
+                </c:pt>
+                <c:pt idx="50">
+                  <c:v>-20.555555555555554</c:v>
+                </c:pt>
+                <c:pt idx="51">
+                  <c:v>-17.777777777777779</c:v>
+                </c:pt>
+                <c:pt idx="52">
+                  <c:v>-15</c:v>
+                </c:pt>
+                <c:pt idx="53">
+                  <c:v>-12.222222222222221</c:v>
+                </c:pt>
+                <c:pt idx="54">
+                  <c:v>-9.4444444444444446</c:v>
+                </c:pt>
+                <c:pt idx="55">
+                  <c:v>-6.6666666666666661</c:v>
+                </c:pt>
+                <c:pt idx="56">
+                  <c:v>-3.8888888888888888</c:v>
+                </c:pt>
+                <c:pt idx="57">
+                  <c:v>-1.1111111111111112</c:v>
+                </c:pt>
+                <c:pt idx="58">
+                  <c:v>1.6666666666666665</c:v>
+                </c:pt>
+                <c:pt idx="59">
+                  <c:v>4.4444444444444446</c:v>
+                </c:pt>
+                <c:pt idx="60">
+                  <c:v>7.2222222222222223</c:v>
+                </c:pt>
+                <c:pt idx="61">
+                  <c:v>10</c:v>
+                </c:pt>
+                <c:pt idx="62">
+                  <c:v>12.777777777777777</c:v>
+                </c:pt>
+                <c:pt idx="63">
+                  <c:v>-23.333333333333332</c:v>
+                </c:pt>
+                <c:pt idx="64">
+                  <c:v>-20.555555555555554</c:v>
+                </c:pt>
+                <c:pt idx="65">
+                  <c:v>-17.777777777777779</c:v>
+                </c:pt>
+                <c:pt idx="66">
+                  <c:v>-15</c:v>
+                </c:pt>
+                <c:pt idx="67">
+                  <c:v>-12.222222222222221</c:v>
+                </c:pt>
+                <c:pt idx="68">
+                  <c:v>-9.4444444444444446</c:v>
+                </c:pt>
+                <c:pt idx="69">
+                  <c:v>-6.6666666666666661</c:v>
+                </c:pt>
+                <c:pt idx="70">
+                  <c:v>-3.8888888888888888</c:v>
+                </c:pt>
+                <c:pt idx="71">
+                  <c:v>-1.1111111111111112</c:v>
+                </c:pt>
+                <c:pt idx="72">
+                  <c:v>1.6666666666666665</c:v>
+                </c:pt>
+                <c:pt idx="73">
+                  <c:v>4.4444444444444446</c:v>
+                </c:pt>
+                <c:pt idx="74">
+                  <c:v>7.2222222222222223</c:v>
+                </c:pt>
+                <c:pt idx="75">
+                  <c:v>10</c:v>
+                </c:pt>
+                <c:pt idx="76">
+                  <c:v>12.777777777777777</c:v>
+                </c:pt>
+                <c:pt idx="77">
+                  <c:v>-20.555555555555554</c:v>
+                </c:pt>
+                <c:pt idx="78">
+                  <c:v>-17.777777777777779</c:v>
+                </c:pt>
+                <c:pt idx="79">
+                  <c:v>-15</c:v>
+                </c:pt>
+                <c:pt idx="80">
+                  <c:v>-12.222222222222221</c:v>
+                </c:pt>
+                <c:pt idx="81">
+                  <c:v>-9.4444444444444446</c:v>
+                </c:pt>
+                <c:pt idx="82">
+                  <c:v>-6.6666666666666661</c:v>
+                </c:pt>
+                <c:pt idx="83">
+                  <c:v>-3.8888888888888888</c:v>
+                </c:pt>
+                <c:pt idx="84">
+                  <c:v>-1.1111111111111112</c:v>
+                </c:pt>
+                <c:pt idx="85">
+                  <c:v>1.6666666666666665</c:v>
+                </c:pt>
+                <c:pt idx="86">
+                  <c:v>4.4444444444444446</c:v>
+                </c:pt>
+                <c:pt idx="87">
+                  <c:v>7.2222222222222223</c:v>
+                </c:pt>
+                <c:pt idx="88">
+                  <c:v>10</c:v>
+                </c:pt>
+                <c:pt idx="89">
+                  <c:v>12.777777777777777</c:v>
+                </c:pt>
+                <c:pt idx="90">
+                  <c:v>-17.777777777777779</c:v>
+                </c:pt>
+                <c:pt idx="91">
+                  <c:v>-15</c:v>
+                </c:pt>
+                <c:pt idx="92">
+                  <c:v>-12.222222222222221</c:v>
+                </c:pt>
+                <c:pt idx="93">
+                  <c:v>-9.4444444444444446</c:v>
+                </c:pt>
+                <c:pt idx="94">
+                  <c:v>-6.6666666666666661</c:v>
+                </c:pt>
+                <c:pt idx="95">
+                  <c:v>-3.8888888888888888</c:v>
+                </c:pt>
+                <c:pt idx="96">
+                  <c:v>-1.1111111111111112</c:v>
+                </c:pt>
+                <c:pt idx="97">
+                  <c:v>1.6666666666666665</c:v>
+                </c:pt>
+                <c:pt idx="98">
+                  <c:v>4.4444444444444446</c:v>
+                </c:pt>
+                <c:pt idx="99">
+                  <c:v>7.2222222222222223</c:v>
+                </c:pt>
+                <c:pt idx="100">
+                  <c:v>10</c:v>
+                </c:pt>
+                <c:pt idx="101">
+                  <c:v>12.777777777777777</c:v>
+                </c:pt>
+                <c:pt idx="102">
+                  <c:v>-12.222222222222221</c:v>
+                </c:pt>
+                <c:pt idx="103">
+                  <c:v>-9.4444444444444446</c:v>
+                </c:pt>
+                <c:pt idx="104">
+                  <c:v>-6.6666666666666661</c:v>
+                </c:pt>
+                <c:pt idx="105">
+                  <c:v>-3.8888888888888888</c:v>
+                </c:pt>
+                <c:pt idx="106">
+                  <c:v>-1.1111111111111112</c:v>
+                </c:pt>
+                <c:pt idx="107">
+                  <c:v>1.6666666666666665</c:v>
+                </c:pt>
+                <c:pt idx="108">
+                  <c:v>4.4444444444444446</c:v>
+                </c:pt>
+                <c:pt idx="109">
+                  <c:v>7.2222222222222223</c:v>
+                </c:pt>
+                <c:pt idx="110">
+                  <c:v>10</c:v>
+                </c:pt>
+                <c:pt idx="111">
+                  <c:v>12.777777777777777</c:v>
+                </c:pt>
+              </c:numCache>
+            </c:numRef>
+          </c:xVal>
+          <c:yVal>
+            <c:numRef>
+              <c:f>Opearting_range!$O$101:$O$212</c:f>
+              <c:numCache>
+                <c:formatCode>General</c:formatCode>
+                <c:ptCount val="112"/>
+                <c:pt idx="0">
+                  <c:v>26.666666666666664</c:v>
+                </c:pt>
+                <c:pt idx="1">
+                  <c:v>26.666666666666664</c:v>
+                </c:pt>
+                <c:pt idx="2">
+                  <c:v>26.666666666666664</c:v>
+                </c:pt>
+                <c:pt idx="3">
+                  <c:v>26.666666666666664</c:v>
+                </c:pt>
+                <c:pt idx="4">
+                  <c:v>26.666666666666664</c:v>
+                </c:pt>
+                <c:pt idx="5">
+                  <c:v>26.666666666666664</c:v>
+                </c:pt>
+                <c:pt idx="6">
+                  <c:v>26.666666666666664</c:v>
+                </c:pt>
+                <c:pt idx="7">
+                  <c:v>26.666666666666664</c:v>
+                </c:pt>
+                <c:pt idx="8">
+                  <c:v>26.666666666666664</c:v>
+                </c:pt>
+                <c:pt idx="9">
+                  <c:v>26.666666666666664</c:v>
+                </c:pt>
+                <c:pt idx="10">
+                  <c:v>26.666666666666664</c:v>
+                </c:pt>
+                <c:pt idx="11">
+                  <c:v>26.666666666666664</c:v>
+                </c:pt>
+                <c:pt idx="12">
+                  <c:v>26.666666666666664</c:v>
+                </c:pt>
+                <c:pt idx="13">
+                  <c:v>26.666666666666664</c:v>
+                </c:pt>
+                <c:pt idx="14">
+                  <c:v>26.666666666666664</c:v>
+                </c:pt>
+                <c:pt idx="15">
+                  <c:v>26.666666666666664</c:v>
+                </c:pt>
+                <c:pt idx="16">
+                  <c:v>32.222222222222221</c:v>
+                </c:pt>
+                <c:pt idx="17">
+                  <c:v>32.222222222222221</c:v>
+                </c:pt>
+                <c:pt idx="18">
+                  <c:v>32.222222222222221</c:v>
+                </c:pt>
+                <c:pt idx="19">
+                  <c:v>32.222222222222221</c:v>
+                </c:pt>
+                <c:pt idx="20">
+                  <c:v>32.222222222222221</c:v>
+                </c:pt>
+                <c:pt idx="21">
+                  <c:v>32.222222222222221</c:v>
+                </c:pt>
+                <c:pt idx="22">
+                  <c:v>32.222222222222221</c:v>
+                </c:pt>
+                <c:pt idx="23">
+                  <c:v>32.222222222222221</c:v>
+                </c:pt>
+                <c:pt idx="24">
+                  <c:v>32.222222222222221</c:v>
+                </c:pt>
+                <c:pt idx="25">
+                  <c:v>32.222222222222221</c:v>
+                </c:pt>
+                <c:pt idx="26">
+                  <c:v>32.222222222222221</c:v>
+                </c:pt>
+                <c:pt idx="27">
+                  <c:v>32.222222222222221</c:v>
+                </c:pt>
+                <c:pt idx="28">
+                  <c:v>32.222222222222221</c:v>
+                </c:pt>
+                <c:pt idx="29">
+                  <c:v>32.222222222222221</c:v>
+                </c:pt>
+                <c:pt idx="30">
+                  <c:v>32.222222222222221</c:v>
+                </c:pt>
+                <c:pt idx="31">
+                  <c:v>32.222222222222221</c:v>
+                </c:pt>
+                <c:pt idx="32">
+                  <c:v>37.777777777777779</c:v>
+                </c:pt>
+                <c:pt idx="33">
+                  <c:v>37.777777777777779</c:v>
+                </c:pt>
+                <c:pt idx="34">
+                  <c:v>37.777777777777779</c:v>
+                </c:pt>
+                <c:pt idx="35">
+                  <c:v>37.777777777777779</c:v>
+                </c:pt>
+                <c:pt idx="36">
+                  <c:v>37.777777777777779</c:v>
+                </c:pt>
+                <c:pt idx="37">
+                  <c:v>37.777777777777779</c:v>
+                </c:pt>
+                <c:pt idx="38">
+                  <c:v>37.777777777777779</c:v>
+                </c:pt>
+                <c:pt idx="39">
+                  <c:v>37.777777777777779</c:v>
+                </c:pt>
+                <c:pt idx="40">
+                  <c:v>37.777777777777779</c:v>
+                </c:pt>
+                <c:pt idx="41">
+                  <c:v>37.777777777777779</c:v>
+                </c:pt>
+                <c:pt idx="42">
+                  <c:v>37.777777777777779</c:v>
+                </c:pt>
+                <c:pt idx="43">
+                  <c:v>37.777777777777779</c:v>
+                </c:pt>
+                <c:pt idx="44">
+                  <c:v>37.777777777777779</c:v>
+                </c:pt>
+                <c:pt idx="45">
+                  <c:v>37.777777777777779</c:v>
+                </c:pt>
+                <c:pt idx="46">
+                  <c:v>37.777777777777779</c:v>
+                </c:pt>
+                <c:pt idx="47">
+                  <c:v>37.777777777777779</c:v>
+                </c:pt>
+                <c:pt idx="48">
+                  <c:v>43.333333333333336</c:v>
+                </c:pt>
+                <c:pt idx="49">
+                  <c:v>43.333333333333336</c:v>
+                </c:pt>
+                <c:pt idx="50">
+                  <c:v>43.333333333333336</c:v>
+                </c:pt>
+                <c:pt idx="51">
+                  <c:v>43.333333333333336</c:v>
+                </c:pt>
+                <c:pt idx="52">
+                  <c:v>43.333333333333336</c:v>
+                </c:pt>
+                <c:pt idx="53">
+                  <c:v>43.333333333333336</c:v>
+                </c:pt>
+                <c:pt idx="54">
+                  <c:v>43.333333333333336</c:v>
+                </c:pt>
+                <c:pt idx="55">
+                  <c:v>43.333333333333336</c:v>
+                </c:pt>
+                <c:pt idx="56">
+                  <c:v>43.333333333333336</c:v>
+                </c:pt>
+                <c:pt idx="57">
+                  <c:v>43.333333333333336</c:v>
+                </c:pt>
+                <c:pt idx="58">
+                  <c:v>43.333333333333336</c:v>
+                </c:pt>
+                <c:pt idx="59">
+                  <c:v>43.333333333333336</c:v>
+                </c:pt>
+                <c:pt idx="60">
+                  <c:v>43.333333333333336</c:v>
+                </c:pt>
+                <c:pt idx="61">
+                  <c:v>43.333333333333336</c:v>
+                </c:pt>
+                <c:pt idx="62">
+                  <c:v>43.333333333333336</c:v>
+                </c:pt>
+                <c:pt idx="63">
+                  <c:v>48.888888888888886</c:v>
+                </c:pt>
+                <c:pt idx="64">
+                  <c:v>48.888888888888886</c:v>
+                </c:pt>
+                <c:pt idx="65">
+                  <c:v>48.888888888888886</c:v>
+                </c:pt>
+                <c:pt idx="66">
+                  <c:v>48.888888888888886</c:v>
+                </c:pt>
+                <c:pt idx="67">
+                  <c:v>48.888888888888886</c:v>
+                </c:pt>
+                <c:pt idx="68">
+                  <c:v>48.888888888888886</c:v>
+                </c:pt>
+                <c:pt idx="69">
+                  <c:v>48.888888888888886</c:v>
+                </c:pt>
+                <c:pt idx="70">
+                  <c:v>48.888888888888886</c:v>
+                </c:pt>
+                <c:pt idx="71">
+                  <c:v>48.888888888888886</c:v>
+                </c:pt>
+                <c:pt idx="72">
+                  <c:v>48.888888888888886</c:v>
+                </c:pt>
+                <c:pt idx="73">
+                  <c:v>48.888888888888886</c:v>
+                </c:pt>
+                <c:pt idx="74">
+                  <c:v>48.888888888888886</c:v>
+                </c:pt>
+                <c:pt idx="75">
+                  <c:v>48.888888888888886</c:v>
+                </c:pt>
+                <c:pt idx="76">
+                  <c:v>48.888888888888886</c:v>
+                </c:pt>
+                <c:pt idx="77">
+                  <c:v>54.444444444444443</c:v>
+                </c:pt>
+                <c:pt idx="78">
+                  <c:v>54.444444444444443</c:v>
+                </c:pt>
+                <c:pt idx="79">
+                  <c:v>54.444444444444443</c:v>
+                </c:pt>
+                <c:pt idx="80">
+                  <c:v>54.444444444444443</c:v>
+                </c:pt>
+                <c:pt idx="81">
+                  <c:v>54.444444444444443</c:v>
+                </c:pt>
+                <c:pt idx="82">
+                  <c:v>54.444444444444443</c:v>
+                </c:pt>
+                <c:pt idx="83">
+                  <c:v>54.444444444444443</c:v>
+                </c:pt>
+                <c:pt idx="84">
+                  <c:v>54.444444444444443</c:v>
+                </c:pt>
+                <c:pt idx="85">
+                  <c:v>54.444444444444443</c:v>
+                </c:pt>
+                <c:pt idx="86">
+                  <c:v>54.444444444444443</c:v>
+                </c:pt>
+                <c:pt idx="87">
+                  <c:v>54.444444444444443</c:v>
+                </c:pt>
+                <c:pt idx="88">
+                  <c:v>54.444444444444443</c:v>
+                </c:pt>
+                <c:pt idx="89">
+                  <c:v>54.444444444444443</c:v>
+                </c:pt>
+                <c:pt idx="90">
+                  <c:v>60</c:v>
+                </c:pt>
+                <c:pt idx="91">
+                  <c:v>60</c:v>
+                </c:pt>
+                <c:pt idx="92">
+                  <c:v>60</c:v>
+                </c:pt>
+                <c:pt idx="93">
+                  <c:v>60</c:v>
+                </c:pt>
+                <c:pt idx="94">
+                  <c:v>60</c:v>
+                </c:pt>
+                <c:pt idx="95">
+                  <c:v>60</c:v>
+                </c:pt>
+                <c:pt idx="96">
+                  <c:v>60</c:v>
+                </c:pt>
+                <c:pt idx="97">
+                  <c:v>60</c:v>
+                </c:pt>
+                <c:pt idx="98">
+                  <c:v>60</c:v>
+                </c:pt>
+                <c:pt idx="99">
+                  <c:v>60</c:v>
+                </c:pt>
+                <c:pt idx="100">
+                  <c:v>60</c:v>
+                </c:pt>
+                <c:pt idx="101">
+                  <c:v>60</c:v>
+                </c:pt>
+                <c:pt idx="102">
+                  <c:v>65.555555555555557</c:v>
+                </c:pt>
+                <c:pt idx="103">
+                  <c:v>65.555555555555557</c:v>
+                </c:pt>
+                <c:pt idx="104">
+                  <c:v>65.555555555555557</c:v>
+                </c:pt>
+                <c:pt idx="105">
+                  <c:v>65.555555555555557</c:v>
+                </c:pt>
+                <c:pt idx="106">
+                  <c:v>65.555555555555557</c:v>
+                </c:pt>
+                <c:pt idx="107">
+                  <c:v>65.555555555555557</c:v>
+                </c:pt>
+                <c:pt idx="108">
+                  <c:v>65.555555555555557</c:v>
+                </c:pt>
+                <c:pt idx="109">
+                  <c:v>65.555555555555557</c:v>
+                </c:pt>
+                <c:pt idx="110">
+                  <c:v>65.555555555555557</c:v>
+                </c:pt>
+                <c:pt idx="111">
+                  <c:v>65.555555555555557</c:v>
+                </c:pt>
+              </c:numCache>
+            </c:numRef>
+          </c:yVal>
+          <c:smooth val="0"/>
+        </c:ser>
+        <c:dLbls>
+          <c:showLegendKey val="0"/>
+          <c:showVal val="0"/>
+          <c:showCatName val="0"/>
+          <c:showSerName val="0"/>
+          <c:showPercent val="0"/>
+          <c:showBubbleSize val="0"/>
+        </c:dLbls>
+        <c:axId val="84493440"/>
+        <c:axId val="84496320"/>
+        <c:extLst>
+          <c:ext xmlns:c15="http://schemas.microsoft.com/office/drawing/2012/chart" uri="{02D57815-91ED-43cb-92C2-25804820EDAC}">
+            <c15:filteredScatterSeries>
+              <c15:ser>
+                <c:idx val="0"/>
+                <c:order val="1"/>
+                <c:tx>
+                  <c:strRef>
+                    <c:extLst>
+                      <c:ext uri="{02D57815-91ED-43cb-92C2-25804820EDAC}">
+                        <c15:formulaRef>
+                          <c15:sqref>Opearting_range!$M$99</c15:sqref>
+                        </c15:formulaRef>
+                      </c:ext>
+                    </c:extLst>
+                    <c:strCache>
+                      <c:ptCount val="1"/>
+                      <c:pt idx="0">
+                        <c:v>AHRI Standard Rating Points</c:v>
+                      </c:pt>
+                    </c:strCache>
+                  </c:strRef>
+                </c:tx>
+                <c:spPr>
+                  <a:ln>
+                    <a:noFill/>
+                  </a:ln>
+                </c:spPr>
+                <c:marker>
+                  <c:symbol val="diamond"/>
+                  <c:size val="5"/>
+                  <c:spPr>
+                    <a:solidFill>
+                      <a:schemeClr val="tx1"/>
+                    </a:solidFill>
+                    <a:ln>
+                      <a:solidFill>
+                        <a:schemeClr val="tx1"/>
+                      </a:solidFill>
+                    </a:ln>
+                  </c:spPr>
+                </c:marker>
+                <c:xVal>
+                  <c:numRef>
+                    <c:extLst>
+                      <c:ext uri="{02D57815-91ED-43cb-92C2-25804820EDAC}">
+                        <c15:formulaRef>
+                          <c15:sqref>Opearting_range!$N$101:$N$108</c15:sqref>
+                        </c15:formulaRef>
+                      </c:ext>
+                    </c:extLst>
+                    <c:numCache>
+                      <c:formatCode>General</c:formatCode>
+                      <c:ptCount val="8"/>
+                      <c:pt idx="0">
+                        <c:v>7.2222222222222223</c:v>
+                      </c:pt>
+                      <c:pt idx="1">
+                        <c:v>7.2222222222222223</c:v>
+                      </c:pt>
+                      <c:pt idx="2">
+                        <c:v>7.2222222222222223</c:v>
+                      </c:pt>
+                      <c:pt idx="3">
+                        <c:v>-1.1111111111111112</c:v>
+                      </c:pt>
+                      <c:pt idx="4">
+                        <c:v>-15</c:v>
+                      </c:pt>
+                      <c:pt idx="5">
+                        <c:v>7.2222222222222223</c:v>
+                      </c:pt>
+                      <c:pt idx="6">
+                        <c:v>1.6666666666666665</c:v>
+                      </c:pt>
+                      <c:pt idx="7">
+                        <c:v>7.2222222222222223</c:v>
+                      </c:pt>
+                    </c:numCache>
+                  </c:numRef>
+                </c:xVal>
+                <c:yVal>
+                  <c:numRef>
+                    <c:extLst>
+                      <c:ext uri="{02D57815-91ED-43cb-92C2-25804820EDAC}">
+                        <c15:formulaRef>
+                          <c15:sqref>Opearting_range!$M$101:$M$108</c15:sqref>
+                        </c15:formulaRef>
+                      </c:ext>
+                    </c:extLst>
+                    <c:numCache>
+                      <c:formatCode>General</c:formatCode>
+                      <c:ptCount val="8"/>
+                      <c:pt idx="0">
+                        <c:v>54.444444444444443</c:v>
+                      </c:pt>
+                      <c:pt idx="1">
+                        <c:v>43.333333333333336</c:v>
+                      </c:pt>
+                      <c:pt idx="2">
+                        <c:v>37.777777777777779</c:v>
+                      </c:pt>
+                      <c:pt idx="3">
+                        <c:v>43.333333333333336</c:v>
+                      </c:pt>
+                      <c:pt idx="4">
+                        <c:v>32.222222222222221</c:v>
+                      </c:pt>
+                      <c:pt idx="5">
+                        <c:v>26.666666666666664</c:v>
+                      </c:pt>
+                      <c:pt idx="6">
+                        <c:v>32.222222222222221</c:v>
+                      </c:pt>
+                      <c:pt idx="7">
+                        <c:v>48.888888888888886</c:v>
+                      </c:pt>
+                    </c:numCache>
+                  </c:numRef>
+                </c:yVal>
+                <c:smooth val="0"/>
+              </c15:ser>
+            </c15:filteredScatterSeries>
+            <c15:filteredScatterSeries>
+              <c15:ser>
+                <c:idx val="1"/>
+                <c:order val="2"/>
+                <c:tx>
+                  <c:strRef>
+                    <c:extLst xmlns:c15="http://schemas.microsoft.com/office/drawing/2012/chart">
+                      <c:ext xmlns:c15="http://schemas.microsoft.com/office/drawing/2012/chart" uri="{02D57815-91ED-43cb-92C2-25804820EDAC}">
+                        <c15:formulaRef>
+                          <c15:sqref>Opearting_range!$K$99</c15:sqref>
+                        </c15:formulaRef>
+                      </c:ext>
+                    </c:extLst>
+                    <c:strCache>
+                      <c:ptCount val="1"/>
+                      <c:pt idx="0">
+                        <c:v>Points removed (Map 1-5)</c:v>
+                      </c:pt>
+                    </c:strCache>
+                  </c:strRef>
+                </c:tx>
+                <c:spPr>
+                  <a:ln>
+                    <a:noFill/>
+                  </a:ln>
+                </c:spPr>
+                <c:marker>
+                  <c:symbol val="square"/>
+                  <c:size val="11"/>
+                  <c:spPr>
+                    <a:solidFill>
+                      <a:srgbClr val="92D050">
+                        <a:alpha val="50000"/>
+                      </a:srgbClr>
+                    </a:solidFill>
+                    <a:ln>
+                      <a:solidFill>
+                        <a:srgbClr val="92D050"/>
+                      </a:solidFill>
+                    </a:ln>
+                  </c:spPr>
+                </c:marker>
+                <c:xVal>
+                  <c:numRef>
+                    <c:extLst xmlns:c15="http://schemas.microsoft.com/office/drawing/2012/chart">
+                      <c:ext xmlns:c15="http://schemas.microsoft.com/office/drawing/2012/chart" uri="{02D57815-91ED-43cb-92C2-25804820EDAC}">
+                        <c15:formulaRef>
+                          <c15:sqref>Opearting_range!$L$101:$L$105</c15:sqref>
+                        </c15:formulaRef>
+                      </c:ext>
+                    </c:extLst>
+                    <c:numCache>
+                      <c:formatCode>General</c:formatCode>
+                      <c:ptCount val="5"/>
+                      <c:pt idx="0">
+                        <c:v>-6.6666666666666661</c:v>
+                      </c:pt>
+                      <c:pt idx="1">
+                        <c:v>-3.8888888888888888</c:v>
+                      </c:pt>
+                      <c:pt idx="2">
+                        <c:v>-3.8888888888888888</c:v>
+                      </c:pt>
+                      <c:pt idx="3">
+                        <c:v>-6.6666666666666661</c:v>
+                      </c:pt>
+                      <c:pt idx="4">
+                        <c:v>-1.1111111111111112</c:v>
+                      </c:pt>
+                    </c:numCache>
+                  </c:numRef>
+                </c:xVal>
+                <c:yVal>
+                  <c:numRef>
+                    <c:extLst xmlns:c15="http://schemas.microsoft.com/office/drawing/2012/chart">
+                      <c:ext xmlns:c15="http://schemas.microsoft.com/office/drawing/2012/chart" uri="{02D57815-91ED-43cb-92C2-25804820EDAC}">
+                        <c15:formulaRef>
+                          <c15:sqref>Opearting_range!$K$101:$K$105</c15:sqref>
+                        </c15:formulaRef>
+                      </c:ext>
+                    </c:extLst>
+                    <c:numCache>
+                      <c:formatCode>General</c:formatCode>
+                      <c:ptCount val="5"/>
+                      <c:pt idx="0">
+                        <c:v>43.333333333333336</c:v>
+                      </c:pt>
+                      <c:pt idx="1">
+                        <c:v>48.888888888888886</c:v>
+                      </c:pt>
+                      <c:pt idx="2">
+                        <c:v>43.333333333333336</c:v>
+                      </c:pt>
+                      <c:pt idx="3">
+                        <c:v>48.888888888888886</c:v>
+                      </c:pt>
+                      <c:pt idx="4">
+                        <c:v>48.888888888888886</c:v>
+                      </c:pt>
+                    </c:numCache>
+                  </c:numRef>
+                </c:yVal>
+                <c:smooth val="0"/>
+              </c15:ser>
+            </c15:filteredScatterSeries>
+            <c15:filteredScatterSeries>
+              <c15:ser>
+                <c:idx val="4"/>
+                <c:order val="4"/>
+                <c:tx>
+                  <c:strRef>
+                    <c:extLst xmlns:c15="http://schemas.microsoft.com/office/drawing/2012/chart">
+                      <c:ext xmlns:c15="http://schemas.microsoft.com/office/drawing/2012/chart" uri="{02D57815-91ED-43cb-92C2-25804820EDAC}">
+                        <c15:formulaRef>
+                          <c15:sqref>Opearting_range!$H$99</c15:sqref>
+                        </c15:formulaRef>
+                      </c:ext>
+                    </c:extLst>
+                    <c:strCache>
+                      <c:ptCount val="1"/>
+                      <c:pt idx="0">
+                        <c:v>Map 6 - points included</c:v>
+                      </c:pt>
+                    </c:strCache>
+                  </c:strRef>
+                </c:tx>
+                <c:spPr>
+                  <a:ln>
+                    <a:noFill/>
+                  </a:ln>
+                </c:spPr>
+                <c:marker>
+                  <c:symbol val="circle"/>
+                  <c:size val="13"/>
+                  <c:spPr>
+                    <a:noFill/>
+                    <a:ln w="12700">
+                      <a:solidFill>
+                        <a:schemeClr val="tx1"/>
+                      </a:solidFill>
+                    </a:ln>
+                  </c:spPr>
+                </c:marker>
+                <c:xVal>
+                  <c:numRef>
+                    <c:extLst xmlns:c15="http://schemas.microsoft.com/office/drawing/2012/chart">
+                      <c:ext xmlns:c15="http://schemas.microsoft.com/office/drawing/2012/chart" uri="{02D57815-91ED-43cb-92C2-25804820EDAC}">
+                        <c15:formulaRef>
+                          <c15:sqref>Opearting_range!$R$101:$R$170</c15:sqref>
+                        </c15:formulaRef>
+                      </c:ext>
+                    </c:extLst>
+                    <c:numCache>
+                      <c:formatCode>General</c:formatCode>
+                      <c:ptCount val="70"/>
+                      <c:pt idx="0">
+                        <c:v>7.2222222222222223</c:v>
+                      </c:pt>
+                      <c:pt idx="1">
+                        <c:v>7.2222222222222223</c:v>
+                      </c:pt>
+                      <c:pt idx="2">
+                        <c:v>7.2222222222222223</c:v>
+                      </c:pt>
+                      <c:pt idx="3">
+                        <c:v>-1.1111111111111112</c:v>
+                      </c:pt>
+                      <c:pt idx="4">
+                        <c:v>-15</c:v>
+                      </c:pt>
+                      <c:pt idx="5">
+                        <c:v>7.2222222222222223</c:v>
+                      </c:pt>
+                      <c:pt idx="6">
+                        <c:v>1.6666666666666665</c:v>
+                      </c:pt>
+                      <c:pt idx="7">
+                        <c:v>7.2222222222222223</c:v>
+                      </c:pt>
+                      <c:pt idx="8">
+                        <c:v>12.777777777777777</c:v>
+                      </c:pt>
+                      <c:pt idx="9">
+                        <c:v>12.777777777777777</c:v>
+                      </c:pt>
+                      <c:pt idx="10">
+                        <c:v>-12.222222222222221</c:v>
+                      </c:pt>
+                      <c:pt idx="11">
+                        <c:v>-28.888888888888889</c:v>
+                      </c:pt>
+                      <c:pt idx="12">
+                        <c:v>-28.888888888888889</c:v>
+                      </c:pt>
+                      <c:pt idx="13">
+                        <c:v>-20.555555555555554</c:v>
+                      </c:pt>
+                      <c:pt idx="14">
+                        <c:v>-9.4444444444444446</c:v>
+                      </c:pt>
+                      <c:pt idx="15">
+                        <c:v>-3.8888888888888888</c:v>
+                      </c:pt>
+                      <c:pt idx="16">
+                        <c:v>-17.777777777777779</c:v>
+                      </c:pt>
+                      <c:pt idx="17">
+                        <c:v>-3.8888888888888888</c:v>
+                      </c:pt>
+                      <c:pt idx="18">
+                        <c:v>-20.555555555555554</c:v>
+                      </c:pt>
+                      <c:pt idx="19">
+                        <c:v>-23.333333333333332</c:v>
+                      </c:pt>
+                      <c:pt idx="20">
+                        <c:v>-15</c:v>
+                      </c:pt>
+                      <c:pt idx="21">
+                        <c:v>-12.222222222222221</c:v>
+                      </c:pt>
+                      <c:pt idx="22">
+                        <c:v>-9.4444444444444446</c:v>
+                      </c:pt>
+                      <c:pt idx="23">
+                        <c:v>4.4444444444444446</c:v>
+                      </c:pt>
+                      <c:pt idx="24">
+                        <c:v>-12.222222222222221</c:v>
+                      </c:pt>
+                      <c:pt idx="25">
+                        <c:v>-6.6666666666666661</c:v>
+                      </c:pt>
+                      <c:pt idx="26">
+                        <c:v>-1.1111111111111112</c:v>
+                      </c:pt>
+                      <c:pt idx="27">
+                        <c:v>10</c:v>
+                      </c:pt>
+                      <c:pt idx="28">
+                        <c:v>-23.333333333333332</c:v>
+                      </c:pt>
+                      <c:pt idx="29">
+                        <c:v>-17.777777777777779</c:v>
+                      </c:pt>
+                      <c:pt idx="30">
+                        <c:v>-12.222222222222221</c:v>
+                      </c:pt>
+                      <c:pt idx="31">
+                        <c:v>1.6666666666666665</c:v>
+                      </c:pt>
+                      <c:pt idx="32">
+                        <c:v>12.777777777777777</c:v>
+                      </c:pt>
+                      <c:pt idx="33">
+                        <c:v>-23.333333333333332</c:v>
+                      </c:pt>
+                      <c:pt idx="34">
+                        <c:v>-17.777777777777779</c:v>
+                      </c:pt>
+                      <c:pt idx="35">
+                        <c:v>-6.6666666666666661</c:v>
+                      </c:pt>
+                      <c:pt idx="36">
+                        <c:v>-1.1111111111111112</c:v>
+                      </c:pt>
+                      <c:pt idx="37">
+                        <c:v>12.777777777777777</c:v>
+                      </c:pt>
+                      <c:pt idx="38">
+                        <c:v>-26.111111111111111</c:v>
+                      </c:pt>
+                      <c:pt idx="39">
+                        <c:v>-20.555555555555554</c:v>
+                      </c:pt>
+                      <c:pt idx="40">
+                        <c:v>7.2222222222222223</c:v>
+                      </c:pt>
+                      <c:pt idx="41">
+                        <c:v>-17.777777777777779</c:v>
+                      </c:pt>
+                      <c:pt idx="42">
+                        <c:v>4.4444444444444446</c:v>
+                      </c:pt>
+                      <c:pt idx="43">
+                        <c:v>-15</c:v>
+                      </c:pt>
+                      <c:pt idx="44">
+                        <c:v>1.6666666666666665</c:v>
+                      </c:pt>
+                      <c:pt idx="45">
+                        <c:v>12.777777777777777</c:v>
+                      </c:pt>
+                      <c:pt idx="46">
+                        <c:v>-9.4444444444444446</c:v>
+                      </c:pt>
+                      <c:pt idx="47">
+                        <c:v>-26.111111111111111</c:v>
+                      </c:pt>
+                      <c:pt idx="48">
+                        <c:v>-9.4444444444444446</c:v>
+                      </c:pt>
+                      <c:pt idx="49">
+                        <c:v>10</c:v>
+                      </c:pt>
+                      <c:pt idx="50">
+                        <c:v>-12.222222222222221</c:v>
+                      </c:pt>
+                      <c:pt idx="51">
+                        <c:v>4.4444444444444446</c:v>
+                      </c:pt>
+                      <c:pt idx="52">
+                        <c:v>-3.8888888888888888</c:v>
+                      </c:pt>
+                      <c:pt idx="53">
+                        <c:v>12.777777777777777</c:v>
+                      </c:pt>
+                      <c:pt idx="54">
+                        <c:v>-6.6666666666666661</c:v>
+                      </c:pt>
+                      <c:pt idx="55">
+                        <c:v>-1.1111111111111112</c:v>
+                      </c:pt>
+                      <c:pt idx="56">
+                        <c:v>4.4444444444444446</c:v>
+                      </c:pt>
+                      <c:pt idx="57">
+                        <c:v>-6.6666666666666661</c:v>
+                      </c:pt>
+                      <c:pt idx="58">
+                        <c:v>1.6666666666666665</c:v>
+                      </c:pt>
+                      <c:pt idx="59">
+                        <c:v>10</c:v>
+                      </c:pt>
+                      <c:pt idx="60">
+                        <c:v>1.6666666666666665</c:v>
+                      </c:pt>
+                      <c:pt idx="61">
+                        <c:v>1.6666666666666665</c:v>
+                      </c:pt>
+                      <c:pt idx="62">
+                        <c:v>-3.8888888888888888</c:v>
+                      </c:pt>
+                      <c:pt idx="63">
+                        <c:v>-9.4444444444444446</c:v>
+                      </c:pt>
+                      <c:pt idx="64">
+                        <c:v>-6.6666666666666661</c:v>
+                      </c:pt>
+                      <c:pt idx="65">
+                        <c:v>-1.1111111111111112</c:v>
+                      </c:pt>
+                      <c:pt idx="66">
+                        <c:v>-12.222222222222221</c:v>
+                      </c:pt>
+                      <c:pt idx="67">
+                        <c:v>10</c:v>
+                      </c:pt>
+                      <c:pt idx="68">
+                        <c:v>4.4444444444444446</c:v>
+                      </c:pt>
+                      <c:pt idx="69">
+                        <c:v>10</c:v>
+                      </c:pt>
+                    </c:numCache>
+                  </c:numRef>
+                </c:xVal>
+                <c:yVal>
+                  <c:numRef>
+                    <c:extLst xmlns:c15="http://schemas.microsoft.com/office/drawing/2012/chart">
+                      <c:ext xmlns:c15="http://schemas.microsoft.com/office/drawing/2012/chart" uri="{02D57815-91ED-43cb-92C2-25804820EDAC}">
+                        <c15:formulaRef>
+                          <c15:sqref>Opearting_range!$Q$101:$Q$170</c15:sqref>
+                        </c15:formulaRef>
+                      </c:ext>
+                    </c:extLst>
+                    <c:numCache>
+                      <c:formatCode>General</c:formatCode>
+                      <c:ptCount val="70"/>
+                      <c:pt idx="0">
+                        <c:v>54.444444444444443</c:v>
+                      </c:pt>
+                      <c:pt idx="1">
+                        <c:v>43.333333333333336</c:v>
+                      </c:pt>
+                      <c:pt idx="2">
+                        <c:v>37.777777777777779</c:v>
+                      </c:pt>
+                      <c:pt idx="3">
+                        <c:v>43.333333333333336</c:v>
+                      </c:pt>
+                      <c:pt idx="4">
+                        <c:v>32.222222222222221</c:v>
+                      </c:pt>
+                      <c:pt idx="5">
+                        <c:v>26.666666666666664</c:v>
+                      </c:pt>
+                      <c:pt idx="6">
+                        <c:v>32.222222222222221</c:v>
+                      </c:pt>
+                      <c:pt idx="7">
+                        <c:v>48.888888888888886</c:v>
+                      </c:pt>
+                      <c:pt idx="8">
+                        <c:v>26.666666666666664</c:v>
+                      </c:pt>
+                      <c:pt idx="9">
+                        <c:v>65.555555555555557</c:v>
+                      </c:pt>
+                      <c:pt idx="10">
+                        <c:v>65.555555555555557</c:v>
+                      </c:pt>
+                      <c:pt idx="11">
+                        <c:v>37.777777777777779</c:v>
+                      </c:pt>
+                      <c:pt idx="12">
+                        <c:v>26.666666666666664</c:v>
+                      </c:pt>
+                      <c:pt idx="13">
+                        <c:v>54.444444444444443</c:v>
+                      </c:pt>
+                      <c:pt idx="14">
+                        <c:v>54.444444444444443</c:v>
+                      </c:pt>
+                      <c:pt idx="15">
+                        <c:v>65.555555555555557</c:v>
+                      </c:pt>
+                      <c:pt idx="16">
+                        <c:v>26.666666666666664</c:v>
+                      </c:pt>
+                      <c:pt idx="17">
+                        <c:v>54.444444444444443</c:v>
+                      </c:pt>
+                      <c:pt idx="18">
+                        <c:v>43.333333333333336</c:v>
+                      </c:pt>
+                      <c:pt idx="19">
+                        <c:v>26.666666666666664</c:v>
+                      </c:pt>
+                      <c:pt idx="20">
+                        <c:v>43.333333333333336</c:v>
+                      </c:pt>
+                      <c:pt idx="21">
+                        <c:v>26.666666666666664</c:v>
+                      </c:pt>
+                      <c:pt idx="22">
+                        <c:v>32.222222222222221</c:v>
+                      </c:pt>
+                      <c:pt idx="23">
+                        <c:v>65.555555555555557</c:v>
+                      </c:pt>
+                      <c:pt idx="24">
+                        <c:v>60</c:v>
+                      </c:pt>
+                      <c:pt idx="25">
+                        <c:v>60</c:v>
+                      </c:pt>
+                      <c:pt idx="26">
+                        <c:v>60</c:v>
+                      </c:pt>
+                      <c:pt idx="27">
+                        <c:v>60</c:v>
+                      </c:pt>
+                      <c:pt idx="28">
+                        <c:v>48.888888888888886</c:v>
+                      </c:pt>
+                      <c:pt idx="29">
+                        <c:v>48.888888888888886</c:v>
+                      </c:pt>
+                      <c:pt idx="30">
+                        <c:v>48.888888888888886</c:v>
+                      </c:pt>
+                      <c:pt idx="31">
+                        <c:v>48.888888888888886</c:v>
+                      </c:pt>
+                      <c:pt idx="32">
+                        <c:v>48.888888888888886</c:v>
+                      </c:pt>
+                      <c:pt idx="33">
+                        <c:v>37.777777777777779</c:v>
+                      </c:pt>
+                      <c:pt idx="34">
+                        <c:v>37.777777777777779</c:v>
+                      </c:pt>
+                      <c:pt idx="35">
+                        <c:v>37.777777777777779</c:v>
+                      </c:pt>
+                      <c:pt idx="36">
+                        <c:v>37.777777777777779</c:v>
+                      </c:pt>
+                      <c:pt idx="37">
+                        <c:v>37.777777777777779</c:v>
+                      </c:pt>
+                      <c:pt idx="38">
+                        <c:v>32.222222222222221</c:v>
+                      </c:pt>
+                      <c:pt idx="39">
+                        <c:v>32.222222222222221</c:v>
+                      </c:pt>
+                      <c:pt idx="40">
+                        <c:v>32.222222222222221</c:v>
+                      </c:pt>
+                      <c:pt idx="41">
+                        <c:v>60</c:v>
+                      </c:pt>
+                      <c:pt idx="42">
+                        <c:v>60</c:v>
+                      </c:pt>
+                      <c:pt idx="43">
+                        <c:v>54.444444444444443</c:v>
+                      </c:pt>
+                      <c:pt idx="44">
+                        <c:v>54.444444444444443</c:v>
+                      </c:pt>
+                      <c:pt idx="45">
+                        <c:v>54.444444444444443</c:v>
+                      </c:pt>
+                      <c:pt idx="46">
+                        <c:v>48.888888888888886</c:v>
+                      </c:pt>
+                      <c:pt idx="47">
+                        <c:v>43.333333333333336</c:v>
+                      </c:pt>
+                      <c:pt idx="48">
+                        <c:v>43.333333333333336</c:v>
+                      </c:pt>
+                      <c:pt idx="49">
+                        <c:v>43.333333333333336</c:v>
+                      </c:pt>
+                      <c:pt idx="50">
+                        <c:v>37.777777777777779</c:v>
+                      </c:pt>
+                      <c:pt idx="51">
+                        <c:v>37.777777777777779</c:v>
+                      </c:pt>
+                      <c:pt idx="52">
+                        <c:v>32.222222222222221</c:v>
+                      </c:pt>
+                      <c:pt idx="53">
+                        <c:v>32.222222222222221</c:v>
+                      </c:pt>
+                      <c:pt idx="54">
+                        <c:v>26.666666666666664</c:v>
+                      </c:pt>
+                      <c:pt idx="55">
+                        <c:v>26.666666666666664</c:v>
+                      </c:pt>
+                      <c:pt idx="56">
+                        <c:v>26.666666666666664</c:v>
+                      </c:pt>
+                      <c:pt idx="57">
+                        <c:v>65.555555555555557</c:v>
+                      </c:pt>
+                      <c:pt idx="58">
+                        <c:v>65.555555555555557</c:v>
+                      </c:pt>
+                      <c:pt idx="59">
+                        <c:v>65.555555555555557</c:v>
+                      </c:pt>
+                      <c:pt idx="60">
+                        <c:v>43.333333333333336</c:v>
+                      </c:pt>
+                      <c:pt idx="61">
+                        <c:v>37.777777777777779</c:v>
+                      </c:pt>
+                      <c:pt idx="62">
+                        <c:v>37.777777777777779</c:v>
+                      </c:pt>
+                      <c:pt idx="63">
+                        <c:v>37.777777777777779</c:v>
+                      </c:pt>
+                      <c:pt idx="64">
+                        <c:v>54.444444444444443</c:v>
+                      </c:pt>
+                      <c:pt idx="65">
+                        <c:v>54.444444444444443</c:v>
+                      </c:pt>
+                      <c:pt idx="66">
+                        <c:v>43.333333333333336</c:v>
+                      </c:pt>
+                      <c:pt idx="67">
+                        <c:v>32.222222222222221</c:v>
+                      </c:pt>
+                      <c:pt idx="68">
+                        <c:v>48.888888888888886</c:v>
+                      </c:pt>
+                      <c:pt idx="69">
+                        <c:v>54.444444444444443</c:v>
+                      </c:pt>
+                    </c:numCache>
+                  </c:numRef>
+                </c:yVal>
+                <c:smooth val="0"/>
+              </c15:ser>
+            </c15:filteredScatterSeries>
+          </c:ext>
+        </c:extLst>
+      </c:scatterChart>
+      <c:valAx>
+        <c:axId val="84493440"/>
+        <c:scaling>
+          <c:orientation val="minMax"/>
+          <c:max val="15"/>
+          <c:min val="-30"/>
+        </c:scaling>
+        <c:delete val="0"/>
+        <c:axPos val="b"/>
+        <c:title>
+          <c:tx>
+            <c:rich>
+              <a:bodyPr/>
+              <a:lstStyle/>
+              <a:p>
+                <a:pPr>
+                  <a:defRPr/>
+                </a:pPr>
+                <a:r>
+                  <a:rPr lang="en-US" dirty="0"/>
+                  <a:t>Evaporating temperature </a:t>
+                </a:r>
+                <a:r>
+                  <a:rPr lang="en-US" dirty="0" smtClean="0"/>
+                  <a:t>[°C</a:t>
+                </a:r>
+                <a:r>
+                  <a:rPr lang="en-US" dirty="0"/>
+                  <a:t>]</a:t>
+                </a:r>
+              </a:p>
+            </c:rich>
+          </c:tx>
+          <c:layout/>
+          <c:overlay val="0"/>
+        </c:title>
+        <c:numFmt formatCode="General" sourceLinked="1"/>
+        <c:majorTickMark val="out"/>
+        <c:minorTickMark val="none"/>
+        <c:tickLblPos val="nextTo"/>
+        <c:crossAx val="84496320"/>
+        <c:crosses val="autoZero"/>
+        <c:crossBetween val="midCat"/>
+      </c:valAx>
+      <c:valAx>
+        <c:axId val="84496320"/>
+        <c:scaling>
+          <c:orientation val="minMax"/>
+          <c:min val="15"/>
+        </c:scaling>
+        <c:delete val="0"/>
+        <c:axPos val="l"/>
+        <c:majorGridlines/>
+        <c:title>
+          <c:tx>
+            <c:rich>
+              <a:bodyPr rot="-5400000" vert="horz"/>
+              <a:lstStyle/>
+              <a:p>
+                <a:pPr>
+                  <a:defRPr/>
+                </a:pPr>
+                <a:r>
+                  <a:rPr lang="en-US" dirty="0"/>
+                  <a:t>Condensing temperature </a:t>
+                </a:r>
+                <a:r>
+                  <a:rPr lang="en-US" dirty="0" smtClean="0"/>
+                  <a:t>[°C]</a:t>
+                </a:r>
+                <a:endParaRPr lang="en-US" dirty="0"/>
+              </a:p>
+            </c:rich>
+          </c:tx>
+          <c:layout/>
+          <c:overlay val="0"/>
+        </c:title>
+        <c:numFmt formatCode="General" sourceLinked="1"/>
+        <c:majorTickMark val="out"/>
+        <c:minorTickMark val="none"/>
+        <c:tickLblPos val="nextTo"/>
+        <c:crossAx val="84493440"/>
+        <c:crossesAt val="-40"/>
+        <c:crossBetween val="midCat"/>
+      </c:valAx>
+    </c:plotArea>
+    <c:legend>
+      <c:legendPos val="r"/>
+      <c:layout>
+        <c:manualLayout>
+          <c:xMode val="edge"/>
+          <c:yMode val="edge"/>
+          <c:x val="0.19755878171478566"/>
+          <c:y val="0.63406824146981622"/>
+          <c:w val="0.73328986220472436"/>
+          <c:h val="0.17725430154564012"/>
+        </c:manualLayout>
+      </c:layout>
+      <c:overlay val="0"/>
+    </c:legend>
+    <c:plotVisOnly val="1"/>
+    <c:dispBlanksAs val="gap"/>
+    <c:showDLblsOverMax val="0"/>
+  </c:chart>
+  <c:txPr>
+    <a:bodyPr/>
+    <a:lstStyle/>
+    <a:p>
+      <a:pPr>
+        <a:defRPr sz="2500">
+          <a:latin typeface="Garamond" panose="02020404030301010803" pitchFamily="18" charset="0"/>
+        </a:defRPr>
+      </a:pPr>
+      <a:endParaRPr lang="en-US"/>
+    </a:p>
+  </c:txPr>
+  <c:externalData r:id="rId1">
+    <c:autoUpdate val="0"/>
+  </c:externalData>
+</c:chartSpace>
 </file>
 
 <file path=ppt/slideLayouts/slideLayout1.xml><?xml version="1.0" encoding="utf-8"?>
@@ -304,7 +2049,7 @@
           <a:p>
             <a:fld id="{987A5A01-F4F1-466C-A6C7-6D43425C9F0D}" type="datetimeFigureOut">
               <a:rPr lang="en-US" smtClean="0"/>
-              <a:t>2/8/2015</a:t>
+              <a:t>2/9/2015</a:t>
             </a:fld>
             <a:endParaRPr lang="en-US"/>
           </a:p>
@@ -474,7 +2219,7 @@
           <a:p>
             <a:fld id="{987A5A01-F4F1-466C-A6C7-6D43425C9F0D}" type="datetimeFigureOut">
               <a:rPr lang="en-US" smtClean="0"/>
-              <a:t>2/8/2015</a:t>
+              <a:t>2/9/2015</a:t>
             </a:fld>
             <a:endParaRPr lang="en-US"/>
           </a:p>
@@ -654,7 +2399,7 @@
           <a:p>
             <a:fld id="{987A5A01-F4F1-466C-A6C7-6D43425C9F0D}" type="datetimeFigureOut">
               <a:rPr lang="en-US" smtClean="0"/>
-              <a:t>2/8/2015</a:t>
+              <a:t>2/9/2015</a:t>
             </a:fld>
             <a:endParaRPr lang="en-US"/>
           </a:p>
@@ -824,7 +2569,7 @@
           <a:p>
             <a:fld id="{987A5A01-F4F1-466C-A6C7-6D43425C9F0D}" type="datetimeFigureOut">
               <a:rPr lang="en-US" smtClean="0"/>
-              <a:t>2/8/2015</a:t>
+              <a:t>2/9/2015</a:t>
             </a:fld>
             <a:endParaRPr lang="en-US"/>
           </a:p>
@@ -1070,7 +2815,7 @@
           <a:p>
             <a:fld id="{987A5A01-F4F1-466C-A6C7-6D43425C9F0D}" type="datetimeFigureOut">
               <a:rPr lang="en-US" smtClean="0"/>
-              <a:t>2/8/2015</a:t>
+              <a:t>2/9/2015</a:t>
             </a:fld>
             <a:endParaRPr lang="en-US"/>
           </a:p>
@@ -1358,7 +3103,7 @@
           <a:p>
             <a:fld id="{987A5A01-F4F1-466C-A6C7-6D43425C9F0D}" type="datetimeFigureOut">
               <a:rPr lang="en-US" smtClean="0"/>
-              <a:t>2/8/2015</a:t>
+              <a:t>2/9/2015</a:t>
             </a:fld>
             <a:endParaRPr lang="en-US"/>
           </a:p>
@@ -1780,7 +3525,7 @@
           <a:p>
             <a:fld id="{987A5A01-F4F1-466C-A6C7-6D43425C9F0D}" type="datetimeFigureOut">
               <a:rPr lang="en-US" smtClean="0"/>
-              <a:t>2/8/2015</a:t>
+              <a:t>2/9/2015</a:t>
             </a:fld>
             <a:endParaRPr lang="en-US"/>
           </a:p>
@@ -1898,7 +3643,7 @@
           <a:p>
             <a:fld id="{987A5A01-F4F1-466C-A6C7-6D43425C9F0D}" type="datetimeFigureOut">
               <a:rPr lang="en-US" smtClean="0"/>
-              <a:t>2/8/2015</a:t>
+              <a:t>2/9/2015</a:t>
             </a:fld>
             <a:endParaRPr lang="en-US"/>
           </a:p>
@@ -1993,7 +3738,7 @@
           <a:p>
             <a:fld id="{987A5A01-F4F1-466C-A6C7-6D43425C9F0D}" type="datetimeFigureOut">
               <a:rPr lang="en-US" smtClean="0"/>
-              <a:t>2/8/2015</a:t>
+              <a:t>2/9/2015</a:t>
             </a:fld>
             <a:endParaRPr lang="en-US"/>
           </a:p>
@@ -2270,7 +4015,7 @@
           <a:p>
             <a:fld id="{987A5A01-F4F1-466C-A6C7-6D43425C9F0D}" type="datetimeFigureOut">
               <a:rPr lang="en-US" smtClean="0"/>
-              <a:t>2/8/2015</a:t>
+              <a:t>2/9/2015</a:t>
             </a:fld>
             <a:endParaRPr lang="en-US"/>
           </a:p>
@@ -2523,7 +4268,7 @@
           <a:p>
             <a:fld id="{987A5A01-F4F1-466C-A6C7-6D43425C9F0D}" type="datetimeFigureOut">
               <a:rPr lang="en-US" smtClean="0"/>
-              <a:t>2/8/2015</a:t>
+              <a:t>2/9/2015</a:t>
             </a:fld>
             <a:endParaRPr lang="en-US"/>
           </a:p>
@@ -2736,7 +4481,7 @@
           <a:p>
             <a:fld id="{987A5A01-F4F1-466C-A6C7-6D43425C9F0D}" type="datetimeFigureOut">
               <a:rPr lang="en-US" smtClean="0"/>
-              <a:t>2/8/2015</a:t>
+              <a:t>2/9/2015</a:t>
             </a:fld>
             <a:endParaRPr lang="en-US"/>
           </a:p>
@@ -3111,30 +4856,30 @@
           <a:chExt cx="0" cy="0"/>
         </a:xfrm>
       </p:grpSpPr>
-      <p:pic>
-        <p:nvPicPr>
-          <p:cNvPr id="2" name="Picture 1"/>
-          <p:cNvPicPr>
-            <a:picLocks noChangeAspect="1"/>
-          </p:cNvPicPr>
-          <p:nvPr/>
-        </p:nvPicPr>
-        <p:blipFill>
-          <a:blip r:embed="rId2"/>
-          <a:stretch>
-            <a:fillRect/>
-          </a:stretch>
-        </p:blipFill>
-        <p:spPr>
-          <a:xfrm>
-            <a:off x="-5575" y="-26020"/>
-            <a:ext cx="9188472" cy="6884020"/>
-          </a:xfrm>
-          <a:prstGeom prst="rect">
-            <a:avLst/>
-          </a:prstGeom>
-        </p:spPr>
-      </p:pic>
+      <p:graphicFrame>
+        <p:nvGraphicFramePr>
+          <p:cNvPr id="3" name="Chart 2"/>
+          <p:cNvGraphicFramePr>
+            <a:graphicFrameLocks/>
+          </p:cNvGraphicFramePr>
+          <p:nvPr>
+            <p:extLst>
+              <p:ext uri="{D42A27DB-BD31-4B8C-83A1-F6EECF244321}">
+                <p14:modId xmlns:p14="http://schemas.microsoft.com/office/powerpoint/2010/main" val="1594553210"/>
+              </p:ext>
+            </p:extLst>
+          </p:nvPr>
+        </p:nvGraphicFramePr>
+        <p:xfrm>
+          <a:off x="0" y="0"/>
+          <a:ext cx="9144000" cy="6846194"/>
+        </p:xfrm>
+        <a:graphic>
+          <a:graphicData uri="http://schemas.openxmlformats.org/drawingml/2006/chart">
+            <c:chart xmlns:c="http://schemas.openxmlformats.org/drawingml/2006/chart" xmlns:r="http://schemas.openxmlformats.org/officeDocument/2006/relationships" r:id="rId2"/>
+          </a:graphicData>
+        </a:graphic>
+      </p:graphicFrame>
     </p:spTree>
     <p:extLst>
       <p:ext uri="{BB962C8B-B14F-4D97-AF65-F5344CB8AC3E}">
